--- a/PPT/DP_Review2.pptx
+++ b/PPT/DP_Review2.pptx
@@ -24,8 +24,9 @@
     <p:sldId id="328" r:id="rId18"/>
     <p:sldId id="311" r:id="rId19"/>
     <p:sldId id="312" r:id="rId20"/>
-    <p:sldId id="261" r:id="rId21"/>
-    <p:sldId id="320" r:id="rId22"/>
+    <p:sldId id="329" r:id="rId21"/>
+    <p:sldId id="261" r:id="rId22"/>
+    <p:sldId id="320" r:id="rId23"/>
   </p:sldIdLst>
   <p:sldSz cx="12192000" cy="6858000"/>
   <p:notesSz cx="6858000" cy="9144000"/>
@@ -357,7 +358,7 @@
             <a:fld id="{5586B75A-687E-405C-8A0B-8D00578BA2C3}" type="datetimeFigureOut">
               <a:rPr lang="en-US" dirty="0"/>
               <a:pPr/>
-              <a:t>5/15/23</a:t>
+              <a:t>5/17/23</a:t>
             </a:fld>
             <a:endParaRPr lang="en-US" dirty="0"/>
           </a:p>
@@ -524,7 +525,7 @@
             <a:fld id="{5586B75A-687E-405C-8A0B-8D00578BA2C3}" type="datetimeFigureOut">
               <a:rPr lang="en-US" dirty="0"/>
               <a:pPr/>
-              <a:t>5/15/23</a:t>
+              <a:t>5/17/23</a:t>
             </a:fld>
             <a:endParaRPr lang="en-US" dirty="0"/>
           </a:p>
@@ -701,7 +702,7 @@
             <a:fld id="{5586B75A-687E-405C-8A0B-8D00578BA2C3}" type="datetimeFigureOut">
               <a:rPr lang="en-US" dirty="0"/>
               <a:pPr/>
-              <a:t>5/15/23</a:t>
+              <a:t>5/17/23</a:t>
             </a:fld>
             <a:endParaRPr lang="en-US" dirty="0"/>
           </a:p>
@@ -868,7 +869,7 @@
             <a:fld id="{5586B75A-687E-405C-8A0B-8D00578BA2C3}" type="datetimeFigureOut">
               <a:rPr lang="en-US" dirty="0"/>
               <a:pPr/>
-              <a:t>5/15/23</a:t>
+              <a:t>5/17/23</a:t>
             </a:fld>
             <a:endParaRPr lang="en-US" dirty="0"/>
           </a:p>
@@ -1123,7 +1124,7 @@
             <a:fld id="{5586B75A-687E-405C-8A0B-8D00578BA2C3}" type="datetimeFigureOut">
               <a:rPr lang="en-US" dirty="0"/>
               <a:pPr/>
-              <a:t>5/15/23</a:t>
+              <a:t>5/17/23</a:t>
             </a:fld>
             <a:endParaRPr lang="en-US" dirty="0"/>
           </a:p>
@@ -1408,7 +1409,7 @@
             <a:fld id="{5586B75A-687E-405C-8A0B-8D00578BA2C3}" type="datetimeFigureOut">
               <a:rPr lang="en-US" dirty="0"/>
               <a:pPr/>
-              <a:t>5/15/23</a:t>
+              <a:t>5/17/23</a:t>
             </a:fld>
             <a:endParaRPr lang="en-US" dirty="0"/>
           </a:p>
@@ -1847,7 +1848,7 @@
             <a:fld id="{5586B75A-687E-405C-8A0B-8D00578BA2C3}" type="datetimeFigureOut">
               <a:rPr lang="en-US" dirty="0"/>
               <a:pPr/>
-              <a:t>5/15/23</a:t>
+              <a:t>5/17/23</a:t>
             </a:fld>
             <a:endParaRPr lang="en-US" dirty="0"/>
           </a:p>
@@ -1962,7 +1963,7 @@
             <a:fld id="{5586B75A-687E-405C-8A0B-8D00578BA2C3}" type="datetimeFigureOut">
               <a:rPr lang="en-US" dirty="0"/>
               <a:pPr/>
-              <a:t>5/15/23</a:t>
+              <a:t>5/17/23</a:t>
             </a:fld>
             <a:endParaRPr lang="en-US" dirty="0"/>
           </a:p>
@@ -2054,7 +2055,7 @@
             <a:fld id="{5586B75A-687E-405C-8A0B-8D00578BA2C3}" type="datetimeFigureOut">
               <a:rPr lang="en-US" dirty="0"/>
               <a:pPr/>
-              <a:t>5/15/23</a:t>
+              <a:t>5/17/23</a:t>
             </a:fld>
             <a:endParaRPr lang="en-US" dirty="0"/>
           </a:p>
@@ -2339,7 +2340,7 @@
             <a:fld id="{5586B75A-687E-405C-8A0B-8D00578BA2C3}" type="datetimeFigureOut">
               <a:rPr lang="en-US" dirty="0"/>
               <a:pPr/>
-              <a:t>5/15/23</a:t>
+              <a:t>5/17/23</a:t>
             </a:fld>
             <a:endParaRPr lang="en-US" dirty="0"/>
           </a:p>
@@ -2609,7 +2610,7 @@
             <a:fld id="{5586B75A-687E-405C-8A0B-8D00578BA2C3}" type="datetimeFigureOut">
               <a:rPr lang="en-US" dirty="0"/>
               <a:pPr/>
-              <a:t>5/15/23</a:t>
+              <a:t>5/17/23</a:t>
             </a:fld>
             <a:endParaRPr lang="en-US" dirty="0"/>
           </a:p>
@@ -2903,7 +2904,7 @@
             <a:fld id="{5586B75A-687E-405C-8A0B-8D00578BA2C3}" type="datetimeFigureOut">
               <a:rPr lang="en-US" dirty="0"/>
               <a:pPr/>
-              <a:t>5/15/23</a:t>
+              <a:t>5/17/23</a:t>
             </a:fld>
             <a:endParaRPr lang="en-US" dirty="0"/>
           </a:p>
@@ -4337,7 +4338,7 @@
             <p:ph idx="1"/>
           </p:nvPr>
         </p:nvPicPr>
-        <p:blipFill>
+        <p:blipFill rotWithShape="1">
           <a:blip r:embed="rId2">
             <a:extLst>
               <a:ext uri="{28A0092B-C50C-407E-A947-70E740481C1C}">
@@ -4345,14 +4346,13 @@
               </a:ext>
             </a:extLst>
           </a:blip>
-          <a:stretch>
-            <a:fillRect/>
-          </a:stretch>
+          <a:srcRect r="13910"/>
+          <a:stretch/>
         </p:blipFill>
         <p:spPr>
           <a:xfrm>
             <a:off x="4156569" y="863790"/>
-            <a:ext cx="3227411" cy="5121275"/>
+            <a:ext cx="3066164" cy="5121275"/>
           </a:xfrm>
           <a:prstGeom prst="rect">
             <a:avLst/>
@@ -8769,6 +8769,202 @@
 <file path=ppt/slides/slide20.xml><?xml version="1.0" encoding="utf-8"?>
 <p:sld xmlns:a="http://schemas.openxmlformats.org/drawingml/2006/main" xmlns:r="http://schemas.openxmlformats.org/officeDocument/2006/relationships" xmlns:p="http://schemas.openxmlformats.org/presentationml/2006/main">
   <p:cSld>
+    <p:bg>
+      <p:bgPr>
+        <a:solidFill>
+          <a:schemeClr val="bg1"/>
+        </a:solidFill>
+        <a:effectLst/>
+      </p:bgPr>
+    </p:bg>
+    <p:spTree>
+      <p:nvGrpSpPr>
+        <p:cNvPr id="1" name=""/>
+        <p:cNvGrpSpPr/>
+        <p:nvPr/>
+      </p:nvGrpSpPr>
+      <p:grpSpPr>
+        <a:xfrm>
+          <a:off x="0" y="0"/>
+          <a:ext cx="0" cy="0"/>
+          <a:chOff x="0" y="0"/>
+          <a:chExt cx="0" cy="0"/>
+        </a:xfrm>
+      </p:grpSpPr>
+      <p:sp>
+        <p:nvSpPr>
+          <p:cNvPr id="7" name="Rectangle 6">
+            <a:extLst>
+              <a:ext uri="{FF2B5EF4-FFF2-40B4-BE49-F238E27FC236}">
+                <a16:creationId xmlns:a16="http://schemas.microsoft.com/office/drawing/2014/main" id="{2ABBB681-F4D2-40F2-ACC3-DE0B4B4880EF}"/>
+              </a:ext>
+              <a:ext uri="{C183D7F6-B498-43B3-948B-1728B52AA6E4}">
+                <adec:decorative xmlns:adec="http://schemas.microsoft.com/office/drawing/2017/decorative" val="1"/>
+              </a:ext>
+            </a:extLst>
+          </p:cNvPr>
+          <p:cNvSpPr>
+            <a:spLocks noGrp="1" noRot="1" noChangeAspect="1" noMove="1" noResize="1" noEditPoints="1" noAdjustHandles="1" noChangeArrowheads="1" noChangeShapeType="1" noTextEdit="1"/>
+          </p:cNvSpPr>
+          <p:nvPr>
+            <p:extLst>
+              <p:ext uri="{386F3935-93C4-4BCD-93E2-E3B085C9AB24}">
+                <p16:designElem xmlns:p16="http://schemas.microsoft.com/office/powerpoint/2015/main" val="1"/>
+              </p:ext>
+            </p:extLst>
+          </p:nvPr>
+        </p:nvSpPr>
+        <p:spPr>
+          <a:xfrm>
+            <a:off x="0" y="0"/>
+            <a:ext cx="12192000" cy="6858000"/>
+          </a:xfrm>
+          <a:prstGeom prst="rect">
+            <a:avLst/>
+          </a:prstGeom>
+          <a:solidFill>
+            <a:schemeClr val="accent1"/>
+          </a:solidFill>
+          <a:ln>
+            <a:noFill/>
+          </a:ln>
+        </p:spPr>
+        <p:style>
+          <a:lnRef idx="2">
+            <a:schemeClr val="accent1">
+              <a:shade val="50000"/>
+            </a:schemeClr>
+          </a:lnRef>
+          <a:fillRef idx="1">
+            <a:schemeClr val="accent1"/>
+          </a:fillRef>
+          <a:effectRef idx="0">
+            <a:schemeClr val="accent1"/>
+          </a:effectRef>
+          <a:fontRef idx="minor">
+            <a:schemeClr val="lt1"/>
+          </a:fontRef>
+        </p:style>
+        <p:txBody>
+          <a:bodyPr rtlCol="0" anchor="ctr"/>
+          <a:lstStyle/>
+          <a:p>
+            <a:pPr algn="ctr"/>
+            <a:endParaRPr lang="en-US"/>
+          </a:p>
+        </p:txBody>
+      </p:sp>
+      <p:sp>
+        <p:nvSpPr>
+          <p:cNvPr id="9" name="Rectangle 8">
+            <a:extLst>
+              <a:ext uri="{FF2B5EF4-FFF2-40B4-BE49-F238E27FC236}">
+                <a16:creationId xmlns:a16="http://schemas.microsoft.com/office/drawing/2014/main" id="{09388ED0-1FEF-4E11-B488-BD661D1AC1A6}"/>
+              </a:ext>
+              <a:ext uri="{C183D7F6-B498-43B3-948B-1728B52AA6E4}">
+                <adec:decorative xmlns:adec="http://schemas.microsoft.com/office/drawing/2017/decorative" val="1"/>
+              </a:ext>
+            </a:extLst>
+          </p:cNvPr>
+          <p:cNvSpPr>
+            <a:spLocks noGrp="1" noRot="1" noChangeAspect="1" noMove="1" noResize="1" noEditPoints="1" noAdjustHandles="1" noChangeArrowheads="1" noChangeShapeType="1" noTextEdit="1"/>
+          </p:cNvSpPr>
+          <p:nvPr>
+            <p:extLst>
+              <p:ext uri="{386F3935-93C4-4BCD-93E2-E3B085C9AB24}">
+                <p16:designElem xmlns:p16="http://schemas.microsoft.com/office/powerpoint/2015/main" val="1"/>
+              </p:ext>
+            </p:extLst>
+          </p:nvPr>
+        </p:nvSpPr>
+        <p:spPr>
+          <a:xfrm>
+            <a:off x="477012" y="458470"/>
+            <a:ext cx="11237976" cy="5897880"/>
+          </a:xfrm>
+          <a:prstGeom prst="rect">
+            <a:avLst/>
+          </a:prstGeom>
+          <a:solidFill>
+            <a:srgbClr val="FFFFFF"/>
+          </a:solidFill>
+          <a:ln>
+            <a:solidFill>
+              <a:srgbClr val="FFFFFF"/>
+            </a:solidFill>
+          </a:ln>
+        </p:spPr>
+        <p:style>
+          <a:lnRef idx="2">
+            <a:schemeClr val="accent1">
+              <a:shade val="50000"/>
+            </a:schemeClr>
+          </a:lnRef>
+          <a:fillRef idx="1">
+            <a:schemeClr val="accent1"/>
+          </a:fillRef>
+          <a:effectRef idx="0">
+            <a:schemeClr val="accent1"/>
+          </a:effectRef>
+          <a:fontRef idx="minor">
+            <a:schemeClr val="lt1"/>
+          </a:fontRef>
+        </p:style>
+        <p:txBody>
+          <a:bodyPr rtlCol="0" anchor="ctr"/>
+          <a:lstStyle/>
+          <a:p>
+            <a:pPr algn="ctr"/>
+            <a:endParaRPr lang="en-US"/>
+          </a:p>
+        </p:txBody>
+      </p:sp>
+      <p:pic>
+        <p:nvPicPr>
+          <p:cNvPr id="2" name="Picture 1" descr="A screenshot of a computer&#10;&#10;Description automatically generated with low confidence">
+            <a:extLst>
+              <a:ext uri="{FF2B5EF4-FFF2-40B4-BE49-F238E27FC236}">
+                <a16:creationId xmlns:a16="http://schemas.microsoft.com/office/drawing/2014/main" id="{37583ADD-4E53-4187-1AA1-75E0656EABDE}"/>
+              </a:ext>
+            </a:extLst>
+          </p:cNvPr>
+          <p:cNvPicPr>
+            <a:picLocks noChangeAspect="1"/>
+          </p:cNvPicPr>
+          <p:nvPr/>
+        </p:nvPicPr>
+        <p:blipFill>
+          <a:blip r:embed="rId2"/>
+          <a:stretch>
+            <a:fillRect/>
+          </a:stretch>
+        </p:blipFill>
+        <p:spPr>
+          <a:xfrm>
+            <a:off x="794805" y="796573"/>
+            <a:ext cx="10602391" cy="5221675"/>
+          </a:xfrm>
+          <a:prstGeom prst="rect">
+            <a:avLst/>
+          </a:prstGeom>
+        </p:spPr>
+      </p:pic>
+    </p:spTree>
+    <p:extLst>
+      <p:ext uri="{BB962C8B-B14F-4D97-AF65-F5344CB8AC3E}">
+        <p14:creationId xmlns:p14="http://schemas.microsoft.com/office/powerpoint/2010/main" val="4028257097"/>
+      </p:ext>
+    </p:extLst>
+  </p:cSld>
+  <p:clrMapOvr>
+    <a:masterClrMapping/>
+  </p:clrMapOvr>
+</p:sld>
+</file>
+
+<file path=ppt/slides/slide21.xml><?xml version="1.0" encoding="utf-8"?>
+<p:sld xmlns:a="http://schemas.openxmlformats.org/drawingml/2006/main" xmlns:r="http://schemas.openxmlformats.org/officeDocument/2006/relationships" xmlns:p="http://schemas.openxmlformats.org/presentationml/2006/main">
+  <p:cSld>
     <p:spTree>
       <p:nvGrpSpPr>
         <p:cNvPr id="1" name=""/>
@@ -9205,7 +9401,7 @@
 </p:sld>
 </file>
 
-<file path=ppt/slides/slide21.xml><?xml version="1.0" encoding="utf-8"?>
+<file path=ppt/slides/slide22.xml><?xml version="1.0" encoding="utf-8"?>
 <p:sld xmlns:a="http://schemas.openxmlformats.org/drawingml/2006/main" xmlns:r="http://schemas.openxmlformats.org/officeDocument/2006/relationships" xmlns:p="http://schemas.openxmlformats.org/presentationml/2006/main">
   <p:cSld>
     <p:spTree>
